--- a/Exercises/PPT 5.pptx
+++ b/Exercises/PPT 5.pptx
@@ -6,8 +6,10 @@
   </p:sldMasterIdLst>
   <p:sldIdLst>
     <p:sldId id="256" r:id="rId2"/>
-    <p:sldId id="257" r:id="rId3"/>
-    <p:sldId id="258" r:id="rId4"/>
+    <p:sldId id="259" r:id="rId3"/>
+    <p:sldId id="257" r:id="rId4"/>
+    <p:sldId id="260" r:id="rId5"/>
+    <p:sldId id="258" r:id="rId6"/>
   </p:sldIdLst>
   <p:sldSz cx="12192000" cy="6858000"/>
   <p:notesSz cx="6858000" cy="9144000"/>
@@ -106,6 +108,11 @@
       </a:defRPr>
     </a:lvl9pPr>
   </p:defaultTextStyle>
+  <p:extLst>
+    <p:ext uri="{EFAFB233-063F-42B5-8137-9DF3F51BA10A}">
+      <p15:sldGuideLst xmlns:p15="http://schemas.microsoft.com/office/powerpoint/2012/main"/>
+    </p:ext>
+  </p:extLst>
 </p:presentation>
 </file>
 
@@ -256,7 +263,7 @@
           <a:p>
             <a:fld id="{80866E36-610E-48BE-B57C-5217682145DB}" type="datetimeFigureOut">
               <a:rPr lang="sk-SK" smtClean="0"/>
-              <a:t>13.3.2018</a:t>
+              <a:t>14.3.2018</a:t>
             </a:fld>
             <a:endParaRPr lang="sk-SK"/>
           </a:p>
@@ -454,7 +461,7 @@
           <a:p>
             <a:fld id="{80866E36-610E-48BE-B57C-5217682145DB}" type="datetimeFigureOut">
               <a:rPr lang="sk-SK" smtClean="0"/>
-              <a:t>13.3.2018</a:t>
+              <a:t>14.3.2018</a:t>
             </a:fld>
             <a:endParaRPr lang="sk-SK"/>
           </a:p>
@@ -662,7 +669,7 @@
           <a:p>
             <a:fld id="{80866E36-610E-48BE-B57C-5217682145DB}" type="datetimeFigureOut">
               <a:rPr lang="sk-SK" smtClean="0"/>
-              <a:t>13.3.2018</a:t>
+              <a:t>14.3.2018</a:t>
             </a:fld>
             <a:endParaRPr lang="sk-SK"/>
           </a:p>
@@ -860,7 +867,7 @@
           <a:p>
             <a:fld id="{80866E36-610E-48BE-B57C-5217682145DB}" type="datetimeFigureOut">
               <a:rPr lang="sk-SK" smtClean="0"/>
-              <a:t>13.3.2018</a:t>
+              <a:t>14.3.2018</a:t>
             </a:fld>
             <a:endParaRPr lang="sk-SK"/>
           </a:p>
@@ -1135,7 +1142,7 @@
           <a:p>
             <a:fld id="{80866E36-610E-48BE-B57C-5217682145DB}" type="datetimeFigureOut">
               <a:rPr lang="sk-SK" smtClean="0"/>
-              <a:t>13.3.2018</a:t>
+              <a:t>14.3.2018</a:t>
             </a:fld>
             <a:endParaRPr lang="sk-SK"/>
           </a:p>
@@ -1400,7 +1407,7 @@
           <a:p>
             <a:fld id="{80866E36-610E-48BE-B57C-5217682145DB}" type="datetimeFigureOut">
               <a:rPr lang="sk-SK" smtClean="0"/>
-              <a:t>13.3.2018</a:t>
+              <a:t>14.3.2018</a:t>
             </a:fld>
             <a:endParaRPr lang="sk-SK"/>
           </a:p>
@@ -1812,7 +1819,7 @@
           <a:p>
             <a:fld id="{80866E36-610E-48BE-B57C-5217682145DB}" type="datetimeFigureOut">
               <a:rPr lang="sk-SK" smtClean="0"/>
-              <a:t>13.3.2018</a:t>
+              <a:t>14.3.2018</a:t>
             </a:fld>
             <a:endParaRPr lang="sk-SK"/>
           </a:p>
@@ -1953,7 +1960,7 @@
           <a:p>
             <a:fld id="{80866E36-610E-48BE-B57C-5217682145DB}" type="datetimeFigureOut">
               <a:rPr lang="sk-SK" smtClean="0"/>
-              <a:t>13.3.2018</a:t>
+              <a:t>14.3.2018</a:t>
             </a:fld>
             <a:endParaRPr lang="sk-SK"/>
           </a:p>
@@ -2066,7 +2073,7 @@
           <a:p>
             <a:fld id="{80866E36-610E-48BE-B57C-5217682145DB}" type="datetimeFigureOut">
               <a:rPr lang="sk-SK" smtClean="0"/>
-              <a:t>13.3.2018</a:t>
+              <a:t>14.3.2018</a:t>
             </a:fld>
             <a:endParaRPr lang="sk-SK"/>
           </a:p>
@@ -2377,7 +2384,7 @@
           <a:p>
             <a:fld id="{80866E36-610E-48BE-B57C-5217682145DB}" type="datetimeFigureOut">
               <a:rPr lang="sk-SK" smtClean="0"/>
-              <a:t>13.3.2018</a:t>
+              <a:t>14.3.2018</a:t>
             </a:fld>
             <a:endParaRPr lang="sk-SK"/>
           </a:p>
@@ -2665,7 +2672,7 @@
           <a:p>
             <a:fld id="{80866E36-610E-48BE-B57C-5217682145DB}" type="datetimeFigureOut">
               <a:rPr lang="sk-SK" smtClean="0"/>
-              <a:t>13.3.2018</a:t>
+              <a:t>14.3.2018</a:t>
             </a:fld>
             <a:endParaRPr lang="sk-SK"/>
           </a:p>
@@ -2906,7 +2913,7 @@
           <a:p>
             <a:fld id="{80866E36-610E-48BE-B57C-5217682145DB}" type="datetimeFigureOut">
               <a:rPr lang="sk-SK" smtClean="0"/>
-              <a:t>13.3.2018</a:t>
+              <a:t>14.3.2018</a:t>
             </a:fld>
             <a:endParaRPr lang="sk-SK"/>
           </a:p>
@@ -3596,10 +3603,46 @@
       </p:grpSpPr>
       <p:sp>
         <p:nvSpPr>
+          <p:cNvPr id="2" name="Nadpis 1">
+            <a:extLst>
+              <a:ext uri="{FF2B5EF4-FFF2-40B4-BE49-F238E27FC236}">
+                <a16:creationId xmlns:a16="http://schemas.microsoft.com/office/drawing/2014/main" id="{7B646B92-AA83-49F9-A6C7-48A99744FD85}"/>
+              </a:ext>
+            </a:extLst>
+          </p:cNvPr>
+          <p:cNvSpPr>
+            <a:spLocks noGrp="1"/>
+          </p:cNvSpPr>
+          <p:nvPr>
+            <p:ph type="title"/>
+          </p:nvPr>
+        </p:nvSpPr>
+        <p:spPr/>
+        <p:txBody>
+          <a:bodyPr/>
+          <a:lstStyle/>
+          <a:p>
+            <a:r>
+              <a:rPr lang="sk-SK" dirty="0">
+                <a:effectLst>
+                  <a:outerShdw blurRad="38100" dist="38100" dir="2700000" algn="tl">
+                    <a:srgbClr val="000000">
+                      <a:alpha val="43137"/>
+                    </a:srgbClr>
+                  </a:outerShdw>
+                </a:effectLst>
+              </a:rPr>
+              <a:t>Finalizácia 1.Etapy</a:t>
+            </a:r>
+          </a:p>
+        </p:txBody>
+      </p:sp>
+      <p:sp>
+        <p:nvSpPr>
           <p:cNvPr id="3" name="Zástupný objekt pre obsah 2">
             <a:extLst>
               <a:ext uri="{FF2B5EF4-FFF2-40B4-BE49-F238E27FC236}">
-                <a16:creationId xmlns:a16="http://schemas.microsoft.com/office/drawing/2014/main" id="{918F5FFA-778B-4B73-BFCC-1631D3ED049B}"/>
+                <a16:creationId xmlns:a16="http://schemas.microsoft.com/office/drawing/2014/main" id="{CBF456BC-ADF0-49E5-93B8-BC1B7297A57C}"/>
               </a:ext>
             </a:extLst>
           </p:cNvPr>
@@ -3615,39 +3658,29 @@
           <a:bodyPr/>
           <a:lstStyle/>
           <a:p>
-            <a:endParaRPr lang="sk-SK" dirty="0"/>
-          </a:p>
-        </p:txBody>
-      </p:sp>
-      <p:sp>
-        <p:nvSpPr>
-          <p:cNvPr id="5" name="Nadpis 4">
-            <a:extLst>
-              <a:ext uri="{FF2B5EF4-FFF2-40B4-BE49-F238E27FC236}">
-                <a16:creationId xmlns:a16="http://schemas.microsoft.com/office/drawing/2014/main" id="{EB67BFE5-1CAF-44F4-8974-ACB67C47FC6C}"/>
-              </a:ext>
-            </a:extLst>
-          </p:cNvPr>
-          <p:cNvSpPr>
-            <a:spLocks noGrp="1"/>
-          </p:cNvSpPr>
-          <p:nvPr>
-            <p:ph type="title"/>
-          </p:nvPr>
-        </p:nvSpPr>
-        <p:spPr/>
-        <p:txBody>
-          <a:bodyPr/>
-          <a:lstStyle/>
-          <a:p>
-            <a:endParaRPr lang="sk-SK"/>
+            <a:r>
+              <a:rPr lang="sk-SK" dirty="0"/>
+              <a:t>Dokončenie Business model-u</a:t>
+            </a:r>
+          </a:p>
+          <a:p>
+            <a:r>
+              <a:rPr lang="sk-SK" dirty="0"/>
+              <a:t>Validované funkčné a nefunkčné požiadavky</a:t>
+            </a:r>
+          </a:p>
+          <a:p>
+            <a:r>
+              <a:rPr lang="sk-SK" dirty="0"/>
+              <a:t>Identifikovanie cieľov, súvisiacich aktérov, artefaktov</a:t>
+            </a:r>
           </a:p>
         </p:txBody>
       </p:sp>
     </p:spTree>
     <p:extLst>
       <p:ext uri="{BB962C8B-B14F-4D97-AF65-F5344CB8AC3E}">
-        <p14:creationId xmlns:p14="http://schemas.microsoft.com/office/powerpoint/2010/main" val="1355258243"/>
+        <p14:creationId xmlns:p14="http://schemas.microsoft.com/office/powerpoint/2010/main" val="307777767"/>
       </p:ext>
     </p:extLst>
   </p:cSld>
@@ -3674,6 +3707,281 @@
           <a:chExt cx="0" cy="0"/>
         </a:xfrm>
       </p:grpSpPr>
+      <p:sp>
+        <p:nvSpPr>
+          <p:cNvPr id="3" name="Zástupný objekt pre obsah 2">
+            <a:extLst>
+              <a:ext uri="{FF2B5EF4-FFF2-40B4-BE49-F238E27FC236}">
+                <a16:creationId xmlns:a16="http://schemas.microsoft.com/office/drawing/2014/main" id="{918F5FFA-778B-4B73-BFCC-1631D3ED049B}"/>
+              </a:ext>
+            </a:extLst>
+          </p:cNvPr>
+          <p:cNvSpPr>
+            <a:spLocks noGrp="1"/>
+          </p:cNvSpPr>
+          <p:nvPr>
+            <p:ph idx="1"/>
+          </p:nvPr>
+        </p:nvSpPr>
+        <p:spPr/>
+        <p:txBody>
+          <a:bodyPr/>
+          <a:lstStyle/>
+          <a:p>
+            <a:r>
+              <a:rPr lang="sk-SK" dirty="0"/>
+              <a:t>Manažér- Hlavný správca zápasov, vytvára zmeny strojníkov</a:t>
+            </a:r>
+          </a:p>
+          <a:p>
+            <a:r>
+              <a:rPr lang="sk-SK" dirty="0"/>
+              <a:t>Strojník – zodpovedný identifikovanie problémov a ich opravu</a:t>
+            </a:r>
+          </a:p>
+          <a:p>
+            <a:r>
+              <a:rPr lang="sk-SK" dirty="0"/>
+              <a:t>Zástupca klubov – vedúca osoba pri nahlasovaní zápasov</a:t>
+            </a:r>
+          </a:p>
+          <a:p>
+            <a:r>
+              <a:rPr lang="sk-SK" dirty="0"/>
+              <a:t>Zákazník – možnosť prihlásenia sa do tímu, vytvorenie udalosti</a:t>
+            </a:r>
+          </a:p>
+          <a:p>
+            <a:endParaRPr lang="sk-SK" dirty="0"/>
+          </a:p>
+          <a:p>
+            <a:endParaRPr lang="sk-SK" dirty="0"/>
+          </a:p>
+        </p:txBody>
+      </p:sp>
+      <p:sp>
+        <p:nvSpPr>
+          <p:cNvPr id="5" name="Nadpis 4">
+            <a:extLst>
+              <a:ext uri="{FF2B5EF4-FFF2-40B4-BE49-F238E27FC236}">
+                <a16:creationId xmlns:a16="http://schemas.microsoft.com/office/drawing/2014/main" id="{EB67BFE5-1CAF-44F4-8974-ACB67C47FC6C}"/>
+              </a:ext>
+            </a:extLst>
+          </p:cNvPr>
+          <p:cNvSpPr>
+            <a:spLocks noGrp="1"/>
+          </p:cNvSpPr>
+          <p:nvPr>
+            <p:ph type="title"/>
+          </p:nvPr>
+        </p:nvSpPr>
+        <p:spPr/>
+        <p:txBody>
+          <a:bodyPr/>
+          <a:lstStyle/>
+          <a:p>
+            <a:r>
+              <a:rPr lang="sk-SK" dirty="0">
+                <a:effectLst>
+                  <a:outerShdw blurRad="38100" dist="38100" dir="2700000" algn="tl">
+                    <a:srgbClr val="000000">
+                      <a:alpha val="43137"/>
+                    </a:srgbClr>
+                  </a:outerShdw>
+                </a:effectLst>
+              </a:rPr>
+              <a:t>Aktéri</a:t>
+            </a:r>
+          </a:p>
+        </p:txBody>
+      </p:sp>
+    </p:spTree>
+    <p:extLst>
+      <p:ext uri="{BB962C8B-B14F-4D97-AF65-F5344CB8AC3E}">
+        <p14:creationId xmlns:p14="http://schemas.microsoft.com/office/powerpoint/2010/main" val="1355258243"/>
+      </p:ext>
+    </p:extLst>
+  </p:cSld>
+  <p:clrMapOvr>
+    <a:masterClrMapping/>
+  </p:clrMapOvr>
+</p:sld>
+</file>
+
+<file path=ppt/slides/slide4.xml><?xml version="1.0" encoding="utf-8"?>
+<p:sld xmlns:a="http://schemas.openxmlformats.org/drawingml/2006/main" xmlns:r="http://schemas.openxmlformats.org/officeDocument/2006/relationships" xmlns:p="http://schemas.openxmlformats.org/presentationml/2006/main">
+  <p:cSld>
+    <p:spTree>
+      <p:nvGrpSpPr>
+        <p:cNvPr id="1" name=""/>
+        <p:cNvGrpSpPr/>
+        <p:nvPr/>
+      </p:nvGrpSpPr>
+      <p:grpSpPr>
+        <a:xfrm>
+          <a:off x="0" y="0"/>
+          <a:ext cx="0" cy="0"/>
+          <a:chOff x="0" y="0"/>
+          <a:chExt cx="0" cy="0"/>
+        </a:xfrm>
+      </p:grpSpPr>
+      <p:sp>
+        <p:nvSpPr>
+          <p:cNvPr id="2" name="Nadpis 1">
+            <a:extLst>
+              <a:ext uri="{FF2B5EF4-FFF2-40B4-BE49-F238E27FC236}">
+                <a16:creationId xmlns:a16="http://schemas.microsoft.com/office/drawing/2014/main" id="{332BE971-0DDF-4F44-B0B5-13FEA1A975FB}"/>
+              </a:ext>
+            </a:extLst>
+          </p:cNvPr>
+          <p:cNvSpPr>
+            <a:spLocks noGrp="1"/>
+          </p:cNvSpPr>
+          <p:nvPr>
+            <p:ph type="title"/>
+          </p:nvPr>
+        </p:nvSpPr>
+        <p:spPr/>
+        <p:txBody>
+          <a:bodyPr/>
+          <a:lstStyle/>
+          <a:p>
+            <a:r>
+              <a:rPr lang="sk-SK" dirty="0">
+                <a:effectLst>
+                  <a:outerShdw blurRad="38100" dist="38100" dir="2700000" algn="tl">
+                    <a:srgbClr val="000000">
+                      <a:alpha val="43137"/>
+                    </a:srgbClr>
+                  </a:outerShdw>
+                </a:effectLst>
+              </a:rPr>
+              <a:t>Otázky</a:t>
+            </a:r>
+          </a:p>
+        </p:txBody>
+      </p:sp>
+      <p:sp>
+        <p:nvSpPr>
+          <p:cNvPr id="3" name="Zástupný objekt pre obsah 2">
+            <a:extLst>
+              <a:ext uri="{FF2B5EF4-FFF2-40B4-BE49-F238E27FC236}">
+                <a16:creationId xmlns:a16="http://schemas.microsoft.com/office/drawing/2014/main" id="{774287A2-3D87-4235-8DD5-18434CDE209F}"/>
+              </a:ext>
+            </a:extLst>
+          </p:cNvPr>
+          <p:cNvSpPr>
+            <a:spLocks noGrp="1"/>
+          </p:cNvSpPr>
+          <p:nvPr>
+            <p:ph idx="1"/>
+          </p:nvPr>
+        </p:nvSpPr>
+        <p:spPr/>
+        <p:txBody>
+          <a:bodyPr/>
+          <a:lstStyle/>
+          <a:p>
+            <a:r>
+              <a:rPr lang="sk-SK" dirty="0"/>
+              <a:t>Zákazník == zástupca klubu??</a:t>
+            </a:r>
+          </a:p>
+          <a:p>
+            <a:r>
+              <a:rPr lang="sk-SK" dirty="0"/>
+              <a:t>Manažér == </a:t>
+            </a:r>
+            <a:r>
+              <a:rPr lang="sk-SK" dirty="0" err="1"/>
+              <a:t>supplies</a:t>
+            </a:r>
+            <a:r>
+              <a:rPr lang="sk-SK" dirty="0"/>
+              <a:t> </a:t>
+            </a:r>
+            <a:r>
+              <a:rPr lang="sk-SK" dirty="0" err="1"/>
+              <a:t>all</a:t>
+            </a:r>
+            <a:r>
+              <a:rPr lang="sk-SK" dirty="0"/>
+              <a:t> </a:t>
+            </a:r>
+            <a:r>
+              <a:rPr lang="sk-SK" dirty="0" err="1"/>
+              <a:t>acters</a:t>
+            </a:r>
+            <a:r>
+              <a:rPr lang="sk-SK" dirty="0"/>
+              <a:t>?</a:t>
+            </a:r>
+          </a:p>
+          <a:p>
+            <a:r>
+              <a:rPr lang="sk-SK" dirty="0"/>
+              <a:t>Oprava business – </a:t>
+            </a:r>
+            <a:r>
+              <a:rPr lang="sk-SK" dirty="0" err="1"/>
+              <a:t>cieľon</a:t>
+            </a:r>
+            <a:r>
+              <a:rPr lang="sk-SK" dirty="0"/>
+              <a:t> na základe </a:t>
+            </a:r>
+            <a:r>
+              <a:rPr lang="sk-SK" dirty="0" err="1"/>
+              <a:t>use</a:t>
+            </a:r>
+            <a:r>
+              <a:rPr lang="sk-SK" dirty="0"/>
+              <a:t> </a:t>
+            </a:r>
+            <a:r>
+              <a:rPr lang="sk-SK" dirty="0" err="1"/>
+              <a:t>cases</a:t>
+            </a:r>
+            <a:r>
+              <a:rPr lang="sk-SK" dirty="0"/>
+              <a:t>?</a:t>
+            </a:r>
+          </a:p>
+          <a:p>
+            <a:endParaRPr lang="sk-SK" dirty="0"/>
+          </a:p>
+        </p:txBody>
+      </p:sp>
+    </p:spTree>
+    <p:extLst>
+      <p:ext uri="{BB962C8B-B14F-4D97-AF65-F5344CB8AC3E}">
+        <p14:creationId xmlns:p14="http://schemas.microsoft.com/office/powerpoint/2010/main" val="4226176161"/>
+      </p:ext>
+    </p:extLst>
+  </p:cSld>
+  <p:clrMapOvr>
+    <a:masterClrMapping/>
+  </p:clrMapOvr>
+</p:sld>
+</file>
+
+<file path=ppt/slides/slide5.xml><?xml version="1.0" encoding="utf-8"?>
+<p:sld xmlns:a="http://schemas.openxmlformats.org/drawingml/2006/main" xmlns:r="http://schemas.openxmlformats.org/officeDocument/2006/relationships" xmlns:p="http://schemas.openxmlformats.org/presentationml/2006/main">
+  <p:cSld>
+    <p:spTree>
+      <p:nvGrpSpPr>
+        <p:cNvPr id="1" name=""/>
+        <p:cNvGrpSpPr/>
+        <p:nvPr/>
+      </p:nvGrpSpPr>
+      <p:grpSpPr>
+        <a:xfrm>
+          <a:off x="0" y="0"/>
+          <a:ext cx="0" cy="0"/>
+          <a:chOff x="0" y="0"/>
+          <a:chExt cx="0" cy="0"/>
+        </a:xfrm>
+      </p:grpSpPr>
       <p:pic>
         <p:nvPicPr>
           <p:cNvPr id="4" name="Zástupný objekt pre obsah 3">
@@ -3713,6 +4021,281 @@
           </a:ln>
         </p:spPr>
       </p:pic>
+      <p:sp>
+        <p:nvSpPr>
+          <p:cNvPr id="2" name="Obdĺžnik 1">
+            <a:extLst>
+              <a:ext uri="{FF2B5EF4-FFF2-40B4-BE49-F238E27FC236}">
+                <a16:creationId xmlns:a16="http://schemas.microsoft.com/office/drawing/2014/main" id="{1A242709-7F29-4AF0-BB9A-5B900C21AB31}"/>
+              </a:ext>
+            </a:extLst>
+          </p:cNvPr>
+          <p:cNvSpPr/>
+          <p:nvPr/>
+        </p:nvSpPr>
+        <p:spPr>
+          <a:xfrm>
+            <a:off x="7256206" y="609601"/>
+            <a:ext cx="2458065" cy="875071"/>
+          </a:xfrm>
+          <a:prstGeom prst="rect">
+            <a:avLst/>
+          </a:prstGeom>
+          <a:noFill/>
+          <a:ln w="19050"/>
+        </p:spPr>
+        <p:style>
+          <a:lnRef idx="2">
+            <a:schemeClr val="accent1">
+              <a:shade val="50000"/>
+            </a:schemeClr>
+          </a:lnRef>
+          <a:fillRef idx="1">
+            <a:schemeClr val="accent1"/>
+          </a:fillRef>
+          <a:effectRef idx="0">
+            <a:schemeClr val="accent1"/>
+          </a:effectRef>
+          <a:fontRef idx="minor">
+            <a:schemeClr val="lt1"/>
+          </a:fontRef>
+        </p:style>
+        <p:txBody>
+          <a:bodyPr rtlCol="0" anchor="ctr"/>
+          <a:lstStyle/>
+          <a:p>
+            <a:pPr algn="ctr"/>
+            <a:r>
+              <a:rPr lang="sk-SK" dirty="0">
+                <a:solidFill>
+                  <a:schemeClr val="tx1"/>
+                </a:solidFill>
+              </a:rPr>
+              <a:t>Prezeranie zmien na nasledujúci týždeň</a:t>
+            </a:r>
+          </a:p>
+        </p:txBody>
+      </p:sp>
+      <p:sp>
+        <p:nvSpPr>
+          <p:cNvPr id="5" name="Obdĺžnik 4">
+            <a:extLst>
+              <a:ext uri="{FF2B5EF4-FFF2-40B4-BE49-F238E27FC236}">
+                <a16:creationId xmlns:a16="http://schemas.microsoft.com/office/drawing/2014/main" id="{FDA8980E-75EC-4E56-B6E1-E0D1541195A0}"/>
+              </a:ext>
+            </a:extLst>
+          </p:cNvPr>
+          <p:cNvSpPr/>
+          <p:nvPr/>
+        </p:nvSpPr>
+        <p:spPr>
+          <a:xfrm>
+            <a:off x="7256205" y="1843549"/>
+            <a:ext cx="2458065" cy="875071"/>
+          </a:xfrm>
+          <a:prstGeom prst="rect">
+            <a:avLst/>
+          </a:prstGeom>
+          <a:noFill/>
+          <a:ln w="19050"/>
+        </p:spPr>
+        <p:style>
+          <a:lnRef idx="2">
+            <a:schemeClr val="accent1">
+              <a:shade val="50000"/>
+            </a:schemeClr>
+          </a:lnRef>
+          <a:fillRef idx="1">
+            <a:schemeClr val="accent1"/>
+          </a:fillRef>
+          <a:effectRef idx="0">
+            <a:schemeClr val="accent1"/>
+          </a:effectRef>
+          <a:fontRef idx="minor">
+            <a:schemeClr val="lt1"/>
+          </a:fontRef>
+        </p:style>
+        <p:txBody>
+          <a:bodyPr rtlCol="0" anchor="ctr"/>
+          <a:lstStyle/>
+          <a:p>
+            <a:pPr algn="ctr"/>
+            <a:r>
+              <a:rPr lang="sk-SK" dirty="0">
+                <a:solidFill>
+                  <a:schemeClr val="tx1"/>
+                </a:solidFill>
+              </a:rPr>
+              <a:t>Na základe zmien, môže dopredu nahlásiť zastúpenie</a:t>
+            </a:r>
+          </a:p>
+        </p:txBody>
+      </p:sp>
+      <p:sp>
+        <p:nvSpPr>
+          <p:cNvPr id="6" name="Obdĺžnik 5">
+            <a:extLst>
+              <a:ext uri="{FF2B5EF4-FFF2-40B4-BE49-F238E27FC236}">
+                <a16:creationId xmlns:a16="http://schemas.microsoft.com/office/drawing/2014/main" id="{C0829E75-C25F-451B-9579-08518D80EA0E}"/>
+              </a:ext>
+            </a:extLst>
+          </p:cNvPr>
+          <p:cNvSpPr/>
+          <p:nvPr/>
+        </p:nvSpPr>
+        <p:spPr>
+          <a:xfrm>
+            <a:off x="7256205" y="3077497"/>
+            <a:ext cx="2458065" cy="875071"/>
+          </a:xfrm>
+          <a:prstGeom prst="rect">
+            <a:avLst/>
+          </a:prstGeom>
+          <a:noFill/>
+          <a:ln w="19050"/>
+        </p:spPr>
+        <p:style>
+          <a:lnRef idx="2">
+            <a:schemeClr val="accent1">
+              <a:shade val="50000"/>
+            </a:schemeClr>
+          </a:lnRef>
+          <a:fillRef idx="1">
+            <a:schemeClr val="accent1"/>
+          </a:fillRef>
+          <a:effectRef idx="0">
+            <a:schemeClr val="accent1"/>
+          </a:effectRef>
+          <a:fontRef idx="minor">
+            <a:schemeClr val="lt1"/>
+          </a:fontRef>
+        </p:style>
+        <p:txBody>
+          <a:bodyPr rtlCol="0" anchor="ctr"/>
+          <a:lstStyle/>
+          <a:p>
+            <a:pPr algn="ctr"/>
+            <a:r>
+              <a:rPr lang="sk-SK" dirty="0">
+                <a:solidFill>
+                  <a:schemeClr val="tx1"/>
+                </a:solidFill>
+              </a:rPr>
+              <a:t>Počas zápasov môže nastať porucha, rýchla oprava!</a:t>
+            </a:r>
+          </a:p>
+        </p:txBody>
+      </p:sp>
+      <p:sp>
+        <p:nvSpPr>
+          <p:cNvPr id="7" name="Obdĺžnik 6">
+            <a:extLst>
+              <a:ext uri="{FF2B5EF4-FFF2-40B4-BE49-F238E27FC236}">
+                <a16:creationId xmlns:a16="http://schemas.microsoft.com/office/drawing/2014/main" id="{A6EED1A0-04BA-4F2B-BBEA-B001B947D7B9}"/>
+              </a:ext>
+            </a:extLst>
+          </p:cNvPr>
+          <p:cNvSpPr/>
+          <p:nvPr/>
+        </p:nvSpPr>
+        <p:spPr>
+          <a:xfrm>
+            <a:off x="7256205" y="4311445"/>
+            <a:ext cx="2458065" cy="875071"/>
+          </a:xfrm>
+          <a:prstGeom prst="rect">
+            <a:avLst/>
+          </a:prstGeom>
+          <a:noFill/>
+          <a:ln w="19050"/>
+        </p:spPr>
+        <p:style>
+          <a:lnRef idx="2">
+            <a:schemeClr val="accent1">
+              <a:shade val="50000"/>
+            </a:schemeClr>
+          </a:lnRef>
+          <a:fillRef idx="1">
+            <a:schemeClr val="accent1"/>
+          </a:fillRef>
+          <a:effectRef idx="0">
+            <a:schemeClr val="accent1"/>
+          </a:effectRef>
+          <a:fontRef idx="minor">
+            <a:schemeClr val="lt1"/>
+          </a:fontRef>
+        </p:style>
+        <p:txBody>
+          <a:bodyPr rtlCol="0" anchor="ctr"/>
+          <a:lstStyle/>
+          <a:p>
+            <a:pPr algn="ctr"/>
+            <a:r>
+              <a:rPr lang="sk-SK" dirty="0">
+                <a:solidFill>
+                  <a:schemeClr val="tx1"/>
+                </a:solidFill>
+              </a:rPr>
+              <a:t>Zavolanie špecialistu, ktorý je zodpovedný za odstránenie</a:t>
+            </a:r>
+          </a:p>
+        </p:txBody>
+      </p:sp>
+      <p:sp>
+        <p:nvSpPr>
+          <p:cNvPr id="8" name="Obdĺžnik 7">
+            <a:extLst>
+              <a:ext uri="{FF2B5EF4-FFF2-40B4-BE49-F238E27FC236}">
+                <a16:creationId xmlns:a16="http://schemas.microsoft.com/office/drawing/2014/main" id="{251F90A6-F4BD-4302-AC4D-3AAE8E5C9D54}"/>
+              </a:ext>
+            </a:extLst>
+          </p:cNvPr>
+          <p:cNvSpPr/>
+          <p:nvPr/>
+        </p:nvSpPr>
+        <p:spPr>
+          <a:xfrm>
+            <a:off x="7256205" y="5545393"/>
+            <a:ext cx="2458065" cy="875071"/>
+          </a:xfrm>
+          <a:prstGeom prst="rect">
+            <a:avLst/>
+          </a:prstGeom>
+          <a:noFill/>
+          <a:ln w="19050"/>
+        </p:spPr>
+        <p:style>
+          <a:lnRef idx="2">
+            <a:schemeClr val="accent1">
+              <a:shade val="50000"/>
+            </a:schemeClr>
+          </a:lnRef>
+          <a:fillRef idx="1">
+            <a:schemeClr val="accent1"/>
+          </a:fillRef>
+          <a:effectRef idx="0">
+            <a:schemeClr val="accent1"/>
+          </a:effectRef>
+          <a:fontRef idx="minor">
+            <a:schemeClr val="lt1"/>
+          </a:fontRef>
+        </p:style>
+        <p:txBody>
+          <a:bodyPr rtlCol="0" anchor="ctr"/>
+          <a:lstStyle/>
+          <a:p>
+            <a:pPr algn="ctr"/>
+            <a:r>
+              <a:rPr lang="sk-SK" dirty="0">
+                <a:solidFill>
+                  <a:schemeClr val="tx1"/>
+                </a:solidFill>
+              </a:rPr>
+              <a:t>Hlási stav ľadovej plochy na nasledujúcu udalosť</a:t>
+            </a:r>
+          </a:p>
+        </p:txBody>
+      </p:sp>
     </p:spTree>
     <p:extLst>
       <p:ext uri="{BB962C8B-B14F-4D97-AF65-F5344CB8AC3E}">
@@ -3723,6 +4306,268 @@
   <p:clrMapOvr>
     <a:masterClrMapping/>
   </p:clrMapOvr>
+  <p:timing>
+    <p:tnLst>
+      <p:par>
+        <p:cTn id="1" dur="indefinite" restart="never" nodeType="tmRoot">
+          <p:childTnLst>
+            <p:seq concurrent="1" nextAc="seek">
+              <p:cTn id="2" dur="indefinite" nodeType="mainSeq">
+                <p:childTnLst>
+                  <p:par>
+                    <p:cTn id="3" fill="hold">
+                      <p:stCondLst>
+                        <p:cond delay="indefinite"/>
+                      </p:stCondLst>
+                      <p:childTnLst>
+                        <p:par>
+                          <p:cTn id="4" fill="hold">
+                            <p:stCondLst>
+                              <p:cond delay="0"/>
+                            </p:stCondLst>
+                            <p:childTnLst>
+                              <p:par>
+                                <p:cTn id="5" presetID="1" presetClass="entr" presetSubtype="0" fill="hold" grpId="0" nodeType="clickEffect">
+                                  <p:stCondLst>
+                                    <p:cond delay="0"/>
+                                  </p:stCondLst>
+                                  <p:childTnLst>
+                                    <p:set>
+                                      <p:cBhvr>
+                                        <p:cTn id="6" dur="1" fill="hold">
+                                          <p:stCondLst>
+                                            <p:cond delay="0"/>
+                                          </p:stCondLst>
+                                        </p:cTn>
+                                        <p:tgtEl>
+                                          <p:spTgt spid="2"/>
+                                        </p:tgtEl>
+                                        <p:attrNameLst>
+                                          <p:attrName>style.visibility</p:attrName>
+                                        </p:attrNameLst>
+                                      </p:cBhvr>
+                                      <p:to>
+                                        <p:strVal val="visible"/>
+                                      </p:to>
+                                    </p:set>
+                                  </p:childTnLst>
+                                </p:cTn>
+                              </p:par>
+                            </p:childTnLst>
+                          </p:cTn>
+                        </p:par>
+                      </p:childTnLst>
+                    </p:cTn>
+                  </p:par>
+                  <p:par>
+                    <p:cTn id="7" fill="hold">
+                      <p:stCondLst>
+                        <p:cond delay="indefinite"/>
+                      </p:stCondLst>
+                      <p:childTnLst>
+                        <p:par>
+                          <p:cTn id="8" fill="hold">
+                            <p:stCondLst>
+                              <p:cond delay="0"/>
+                            </p:stCondLst>
+                            <p:childTnLst>
+                              <p:par>
+                                <p:cTn id="9" presetID="1" presetClass="entr" presetSubtype="0" fill="hold" grpId="0" nodeType="clickEffect">
+                                  <p:stCondLst>
+                                    <p:cond delay="0"/>
+                                  </p:stCondLst>
+                                  <p:childTnLst>
+                                    <p:set>
+                                      <p:cBhvr>
+                                        <p:cTn id="10" dur="1" fill="hold">
+                                          <p:stCondLst>
+                                            <p:cond delay="0"/>
+                                          </p:stCondLst>
+                                        </p:cTn>
+                                        <p:tgtEl>
+                                          <p:spTgt spid="5"/>
+                                        </p:tgtEl>
+                                        <p:attrNameLst>
+                                          <p:attrName>style.visibility</p:attrName>
+                                        </p:attrNameLst>
+                                      </p:cBhvr>
+                                      <p:to>
+                                        <p:strVal val="visible"/>
+                                      </p:to>
+                                    </p:set>
+                                  </p:childTnLst>
+                                </p:cTn>
+                              </p:par>
+                            </p:childTnLst>
+                          </p:cTn>
+                        </p:par>
+                      </p:childTnLst>
+                    </p:cTn>
+                  </p:par>
+                  <p:par>
+                    <p:cTn id="11" fill="hold">
+                      <p:stCondLst>
+                        <p:cond delay="indefinite"/>
+                      </p:stCondLst>
+                      <p:childTnLst>
+                        <p:par>
+                          <p:cTn id="12" fill="hold">
+                            <p:stCondLst>
+                              <p:cond delay="0"/>
+                            </p:stCondLst>
+                            <p:childTnLst>
+                              <p:par>
+                                <p:cTn id="13" presetID="1" presetClass="entr" presetSubtype="0" fill="hold" grpId="0" nodeType="clickEffect">
+                                  <p:stCondLst>
+                                    <p:cond delay="0"/>
+                                  </p:stCondLst>
+                                  <p:childTnLst>
+                                    <p:set>
+                                      <p:cBhvr>
+                                        <p:cTn id="14" dur="1" fill="hold">
+                                          <p:stCondLst>
+                                            <p:cond delay="0"/>
+                                          </p:stCondLst>
+                                        </p:cTn>
+                                        <p:tgtEl>
+                                          <p:spTgt spid="6"/>
+                                        </p:tgtEl>
+                                        <p:attrNameLst>
+                                          <p:attrName>style.visibility</p:attrName>
+                                        </p:attrNameLst>
+                                      </p:cBhvr>
+                                      <p:to>
+                                        <p:strVal val="visible"/>
+                                      </p:to>
+                                    </p:set>
+                                  </p:childTnLst>
+                                </p:cTn>
+                              </p:par>
+                            </p:childTnLst>
+                          </p:cTn>
+                        </p:par>
+                      </p:childTnLst>
+                    </p:cTn>
+                  </p:par>
+                  <p:par>
+                    <p:cTn id="15" fill="hold">
+                      <p:stCondLst>
+                        <p:cond delay="indefinite"/>
+                      </p:stCondLst>
+                      <p:childTnLst>
+                        <p:par>
+                          <p:cTn id="16" fill="hold">
+                            <p:stCondLst>
+                              <p:cond delay="0"/>
+                            </p:stCondLst>
+                            <p:childTnLst>
+                              <p:par>
+                                <p:cTn id="17" presetID="1" presetClass="entr" presetSubtype="0" fill="hold" grpId="0" nodeType="clickEffect">
+                                  <p:stCondLst>
+                                    <p:cond delay="0"/>
+                                  </p:stCondLst>
+                                  <p:childTnLst>
+                                    <p:set>
+                                      <p:cBhvr>
+                                        <p:cTn id="18" dur="1" fill="hold">
+                                          <p:stCondLst>
+                                            <p:cond delay="0"/>
+                                          </p:stCondLst>
+                                        </p:cTn>
+                                        <p:tgtEl>
+                                          <p:spTgt spid="7"/>
+                                        </p:tgtEl>
+                                        <p:attrNameLst>
+                                          <p:attrName>style.visibility</p:attrName>
+                                        </p:attrNameLst>
+                                      </p:cBhvr>
+                                      <p:to>
+                                        <p:strVal val="visible"/>
+                                      </p:to>
+                                    </p:set>
+                                  </p:childTnLst>
+                                </p:cTn>
+                              </p:par>
+                            </p:childTnLst>
+                          </p:cTn>
+                        </p:par>
+                      </p:childTnLst>
+                    </p:cTn>
+                  </p:par>
+                  <p:par>
+                    <p:cTn id="19" fill="hold">
+                      <p:stCondLst>
+                        <p:cond delay="indefinite"/>
+                      </p:stCondLst>
+                      <p:childTnLst>
+                        <p:par>
+                          <p:cTn id="20" fill="hold">
+                            <p:stCondLst>
+                              <p:cond delay="0"/>
+                            </p:stCondLst>
+                            <p:childTnLst>
+                              <p:par>
+                                <p:cTn id="21" presetID="1" presetClass="entr" presetSubtype="0" fill="hold" grpId="0" nodeType="clickEffect">
+                                  <p:stCondLst>
+                                    <p:cond delay="0"/>
+                                  </p:stCondLst>
+                                  <p:childTnLst>
+                                    <p:set>
+                                      <p:cBhvr>
+                                        <p:cTn id="22" dur="1" fill="hold">
+                                          <p:stCondLst>
+                                            <p:cond delay="0"/>
+                                          </p:stCondLst>
+                                        </p:cTn>
+                                        <p:tgtEl>
+                                          <p:spTgt spid="8"/>
+                                        </p:tgtEl>
+                                        <p:attrNameLst>
+                                          <p:attrName>style.visibility</p:attrName>
+                                        </p:attrNameLst>
+                                      </p:cBhvr>
+                                      <p:to>
+                                        <p:strVal val="visible"/>
+                                      </p:to>
+                                    </p:set>
+                                  </p:childTnLst>
+                                </p:cTn>
+                              </p:par>
+                            </p:childTnLst>
+                          </p:cTn>
+                        </p:par>
+                      </p:childTnLst>
+                    </p:cTn>
+                  </p:par>
+                </p:childTnLst>
+              </p:cTn>
+              <p:prevCondLst>
+                <p:cond evt="onPrev" delay="0">
+                  <p:tgtEl>
+                    <p:sldTgt/>
+                  </p:tgtEl>
+                </p:cond>
+              </p:prevCondLst>
+              <p:nextCondLst>
+                <p:cond evt="onNext" delay="0">
+                  <p:tgtEl>
+                    <p:sldTgt/>
+                  </p:tgtEl>
+                </p:cond>
+              </p:nextCondLst>
+            </p:seq>
+          </p:childTnLst>
+        </p:cTn>
+      </p:par>
+    </p:tnLst>
+    <p:bldLst>
+      <p:bldP spid="2" grpId="0" animBg="1"/>
+      <p:bldP spid="5" grpId="0" animBg="1"/>
+      <p:bldP spid="6" grpId="0" animBg="1"/>
+      <p:bldP spid="7" grpId="0" animBg="1"/>
+      <p:bldP spid="8" grpId="0" animBg="1"/>
+    </p:bldLst>
+  </p:timing>
 </p:sld>
 </file>
 
